--- a/프론트엔드기초(PPT)/CSS3 1강_CSS 기본문법과 HTML 연동.pptx
+++ b/프론트엔드기초(PPT)/CSS3 1강_CSS 기본문법과 HTML 연동.pptx
@@ -306,7 +306,7 @@
           <a:p>
             <a:fld id="{FB30EDBD-1C2D-4C1E-B459-B60219FAB484}" type="datetimeFigureOut">
               <a:rPr lang="ko-KR" altLang="en-US" smtClean="0"/>
-              <a:t>2020-04-07</a:t>
+              <a:t>2020-09-21</a:t>
             </a:fld>
             <a:endParaRPr lang="ko-KR" altLang="en-US"/>
           </a:p>
@@ -471,7 +471,7 @@
           <a:p>
             <a:fld id="{FB30EDBD-1C2D-4C1E-B459-B60219FAB484}" type="datetimeFigureOut">
               <a:rPr lang="ko-KR" altLang="en-US" smtClean="0"/>
-              <a:t>2020-04-07</a:t>
+              <a:t>2020-09-21</a:t>
             </a:fld>
             <a:endParaRPr lang="ko-KR" altLang="en-US"/>
           </a:p>
@@ -646,7 +646,7 @@
           <a:p>
             <a:fld id="{FB30EDBD-1C2D-4C1E-B459-B60219FAB484}" type="datetimeFigureOut">
               <a:rPr lang="ko-KR" altLang="en-US" smtClean="0"/>
-              <a:t>2020-04-07</a:t>
+              <a:t>2020-09-21</a:t>
             </a:fld>
             <a:endParaRPr lang="ko-KR" altLang="en-US"/>
           </a:p>
@@ -811,7 +811,7 @@
           <a:p>
             <a:fld id="{FB30EDBD-1C2D-4C1E-B459-B60219FAB484}" type="datetimeFigureOut">
               <a:rPr lang="ko-KR" altLang="en-US" smtClean="0"/>
-              <a:t>2020-04-07</a:t>
+              <a:t>2020-09-21</a:t>
             </a:fld>
             <a:endParaRPr lang="ko-KR" altLang="en-US"/>
           </a:p>
@@ -1052,7 +1052,7 @@
           <a:p>
             <a:fld id="{FB30EDBD-1C2D-4C1E-B459-B60219FAB484}" type="datetimeFigureOut">
               <a:rPr lang="ko-KR" altLang="en-US" smtClean="0"/>
-              <a:t>2020-04-07</a:t>
+              <a:t>2020-09-21</a:t>
             </a:fld>
             <a:endParaRPr lang="ko-KR" altLang="en-US"/>
           </a:p>
@@ -1335,7 +1335,7 @@
           <a:p>
             <a:fld id="{FB30EDBD-1C2D-4C1E-B459-B60219FAB484}" type="datetimeFigureOut">
               <a:rPr lang="ko-KR" altLang="en-US" smtClean="0"/>
-              <a:t>2020-04-07</a:t>
+              <a:t>2020-09-21</a:t>
             </a:fld>
             <a:endParaRPr lang="ko-KR" altLang="en-US"/>
           </a:p>
@@ -1752,7 +1752,7 @@
           <a:p>
             <a:fld id="{FB30EDBD-1C2D-4C1E-B459-B60219FAB484}" type="datetimeFigureOut">
               <a:rPr lang="ko-KR" altLang="en-US" smtClean="0"/>
-              <a:t>2020-04-07</a:t>
+              <a:t>2020-09-21</a:t>
             </a:fld>
             <a:endParaRPr lang="ko-KR" altLang="en-US"/>
           </a:p>
@@ -1865,7 +1865,7 @@
           <a:p>
             <a:fld id="{FB30EDBD-1C2D-4C1E-B459-B60219FAB484}" type="datetimeFigureOut">
               <a:rPr lang="ko-KR" altLang="en-US" smtClean="0"/>
-              <a:t>2020-04-07</a:t>
+              <a:t>2020-09-21</a:t>
             </a:fld>
             <a:endParaRPr lang="ko-KR" altLang="en-US"/>
           </a:p>
@@ -1955,7 +1955,7 @@
           <a:p>
             <a:fld id="{FB30EDBD-1C2D-4C1E-B459-B60219FAB484}" type="datetimeFigureOut">
               <a:rPr lang="ko-KR" altLang="en-US" smtClean="0"/>
-              <a:t>2020-04-07</a:t>
+              <a:t>2020-09-21</a:t>
             </a:fld>
             <a:endParaRPr lang="ko-KR" altLang="en-US"/>
           </a:p>
@@ -2227,7 +2227,7 @@
           <a:p>
             <a:fld id="{FB30EDBD-1C2D-4C1E-B459-B60219FAB484}" type="datetimeFigureOut">
               <a:rPr lang="ko-KR" altLang="en-US" smtClean="0"/>
-              <a:t>2020-04-07</a:t>
+              <a:t>2020-09-21</a:t>
             </a:fld>
             <a:endParaRPr lang="ko-KR" altLang="en-US"/>
           </a:p>
@@ -2475,7 +2475,7 @@
           <a:p>
             <a:fld id="{FB30EDBD-1C2D-4C1E-B459-B60219FAB484}" type="datetimeFigureOut">
               <a:rPr lang="ko-KR" altLang="en-US" smtClean="0"/>
-              <a:t>2020-04-07</a:t>
+              <a:t>2020-09-21</a:t>
             </a:fld>
             <a:endParaRPr lang="ko-KR" altLang="en-US"/>
           </a:p>
@@ -2683,7 +2683,7 @@
           <a:p>
             <a:fld id="{FB30EDBD-1C2D-4C1E-B459-B60219FAB484}" type="datetimeFigureOut">
               <a:rPr lang="ko-KR" altLang="en-US" smtClean="0"/>
-              <a:t>2020-04-07</a:t>
+              <a:t>2020-09-21</a:t>
             </a:fld>
             <a:endParaRPr lang="ko-KR" altLang="en-US"/>
           </a:p>
@@ -3039,6 +3039,14 @@
 <file path=ppt/slides/slide1.xml><?xml version="1.0" encoding="utf-8"?>
 <p:sld xmlns:a="http://schemas.openxmlformats.org/drawingml/2006/main" xmlns:r="http://schemas.openxmlformats.org/officeDocument/2006/relationships" xmlns:p="http://schemas.openxmlformats.org/presentationml/2006/main">
   <p:cSld>
+    <p:bg>
+      <p:bgPr>
+        <a:solidFill>
+          <a:schemeClr val="accent6"/>
+        </a:solidFill>
+        <a:effectLst/>
+      </p:bgPr>
+    </p:bg>
     <p:spTree>
       <p:nvGrpSpPr>
         <p:cNvPr id="1" name=""/>
@@ -3073,7 +3081,7 @@
             <a:r>
               <a:rPr lang="en-US" altLang="ko-KR" sz="2800" dirty="0" smtClean="0">
                 <a:solidFill>
-                  <a:schemeClr val="accent5"/>
+                  <a:schemeClr val="bg1"/>
                 </a:solidFill>
                 <a:latin typeface="배달의민족 주아" pitchFamily="18" charset="-127"/>
                 <a:ea typeface="배달의민족 주아" pitchFamily="18" charset="-127"/>
@@ -3083,7 +3091,7 @@
             <a:r>
               <a:rPr lang="ko-KR" altLang="en-US" sz="2800" dirty="0" smtClean="0">
                 <a:solidFill>
-                  <a:schemeClr val="accent5"/>
+                  <a:schemeClr val="bg1"/>
                 </a:solidFill>
                 <a:latin typeface="배달의민족 주아" pitchFamily="18" charset="-127"/>
                 <a:ea typeface="배달의민족 주아" pitchFamily="18" charset="-127"/>
@@ -3093,7 +3101,7 @@
             <a:r>
               <a:rPr lang="en-US" altLang="ko-KR" sz="2800" dirty="0" smtClean="0">
                 <a:solidFill>
-                  <a:schemeClr val="accent5"/>
+                  <a:schemeClr val="bg1"/>
                 </a:solidFill>
                 <a:latin typeface="배달의민족 주아" pitchFamily="18" charset="-127"/>
                 <a:ea typeface="배달의민족 주아" pitchFamily="18" charset="-127"/>
@@ -3103,7 +3111,7 @@
             <a:br>
               <a:rPr lang="en-US" altLang="ko-KR" sz="2800" dirty="0" smtClean="0">
                 <a:solidFill>
-                  <a:schemeClr val="accent5"/>
+                  <a:schemeClr val="bg1"/>
                 </a:solidFill>
                 <a:latin typeface="배달의민족 주아" pitchFamily="18" charset="-127"/>
                 <a:ea typeface="배달의민족 주아" pitchFamily="18" charset="-127"/>
@@ -3111,6 +3119,9 @@
             </a:br>
             <a:r>
               <a:rPr lang="en-US" altLang="ko-KR" dirty="0" smtClean="0">
+                <a:solidFill>
+                  <a:schemeClr val="bg1"/>
+                </a:solidFill>
                 <a:latin typeface="배달의민족 주아" pitchFamily="18" charset="-127"/>
                 <a:ea typeface="배달의민족 주아" pitchFamily="18" charset="-127"/>
               </a:rPr>
@@ -3118,12 +3129,18 @@
             </a:r>
             <a:br>
               <a:rPr lang="en-US" altLang="ko-KR" dirty="0" smtClean="0">
+                <a:solidFill>
+                  <a:schemeClr val="bg1"/>
+                </a:solidFill>
                 <a:latin typeface="배달의민족 주아" pitchFamily="18" charset="-127"/>
                 <a:ea typeface="배달의민족 주아" pitchFamily="18" charset="-127"/>
               </a:rPr>
             </a:br>
             <a:r>
               <a:rPr lang="en-US" altLang="ko-KR" dirty="0" smtClean="0">
+                <a:solidFill>
+                  <a:schemeClr val="bg1"/>
+                </a:solidFill>
                 <a:latin typeface="배달의민족 주아" pitchFamily="18" charset="-127"/>
                 <a:ea typeface="배달의민족 주아" pitchFamily="18" charset="-127"/>
               </a:rPr>
@@ -3131,6 +3148,9 @@
             </a:r>
             <a:r>
               <a:rPr lang="ko-KR" altLang="en-US" dirty="0" smtClean="0">
+                <a:solidFill>
+                  <a:schemeClr val="bg1"/>
+                </a:solidFill>
                 <a:latin typeface="배달의민족 주아" pitchFamily="18" charset="-127"/>
                 <a:ea typeface="배달의민족 주아" pitchFamily="18" charset="-127"/>
               </a:rPr>
@@ -3138,6 +3158,9 @@
             </a:r>
             <a:r>
               <a:rPr lang="en-US" altLang="ko-KR" dirty="0" smtClean="0">
+                <a:solidFill>
+                  <a:schemeClr val="bg1"/>
+                </a:solidFill>
                 <a:latin typeface="배달의민족 주아" pitchFamily="18" charset="-127"/>
                 <a:ea typeface="배달의민족 주아" pitchFamily="18" charset="-127"/>
               </a:rPr>
@@ -3145,12 +3168,18 @@
             </a:r>
             <a:r>
               <a:rPr lang="ko-KR" altLang="en-US" dirty="0" smtClean="0">
+                <a:solidFill>
+                  <a:schemeClr val="bg1"/>
+                </a:solidFill>
                 <a:latin typeface="배달의민족 주아" pitchFamily="18" charset="-127"/>
                 <a:ea typeface="배달의민족 주아" pitchFamily="18" charset="-127"/>
               </a:rPr>
               <a:t>연동</a:t>
             </a:r>
             <a:endParaRPr lang="ko-KR" altLang="en-US" dirty="0">
+              <a:solidFill>
+                <a:schemeClr val="bg1"/>
+              </a:solidFill>
               <a:latin typeface="배달의민족 주아" pitchFamily="18" charset="-127"/>
               <a:ea typeface="배달의민족 주아" pitchFamily="18" charset="-127"/>
             </a:endParaRPr>
@@ -3276,7 +3305,7 @@
             <a:r>
               <a:rPr lang="en-US" altLang="ko-KR" dirty="0" smtClean="0">
                 <a:solidFill>
-                  <a:schemeClr val="accent5"/>
+                  <a:schemeClr val="bg1"/>
                 </a:solidFill>
                 <a:latin typeface="배달의민족 도현" pitchFamily="50" charset="-127"/>
                 <a:ea typeface="배달의민족 도현" pitchFamily="50" charset="-127"/>
@@ -3293,7 +3322,7 @@
             <a:r>
               <a:rPr lang="en-US" altLang="ko-KR" dirty="0" smtClean="0">
                 <a:solidFill>
-                  <a:schemeClr val="accent5"/>
+                  <a:schemeClr val="bg1"/>
                 </a:solidFill>
                 <a:latin typeface="배달의민족 도현" pitchFamily="50" charset="-127"/>
                 <a:ea typeface="배달의민족 도현" pitchFamily="50" charset="-127"/>
@@ -3361,7 +3390,7 @@
         </p:nvSpPr>
         <p:spPr>
           <a:xfrm>
-            <a:off x="683568" y="1916832"/>
+            <a:off x="683568" y="2319015"/>
             <a:ext cx="7772400" cy="1470025"/>
           </a:xfrm>
           <a:prstGeom prst="rect">
@@ -4532,8 +4561,8 @@
         </p:nvSpPr>
         <p:spPr>
           <a:xfrm>
-            <a:off x="683568" y="1916832"/>
-            <a:ext cx="7772400" cy="3024336"/>
+            <a:off x="683568" y="836712"/>
+            <a:ext cx="7772400" cy="4104456"/>
           </a:xfrm>
           <a:prstGeom prst="rect">
             <a:avLst/>
@@ -4541,7 +4570,7 @@
         </p:spPr>
         <p:txBody>
           <a:bodyPr vert="horz" lIns="91440" tIns="45720" rIns="91440" bIns="45720" rtlCol="0" anchor="ctr">
-            <a:normAutofit fontScale="92500" lnSpcReduction="10000"/>
+            <a:normAutofit fontScale="85000" lnSpcReduction="20000"/>
           </a:bodyPr>
           <a:lstStyle>
             <a:lvl1pPr algn="ctr" defTabSz="914400" rtl="0" eaLnBrk="1" latinLnBrk="1" hangingPunct="1">
@@ -4596,7 +4625,14 @@
                 <a:latin typeface="배달의민족 주아" pitchFamily="18" charset="-127"/>
                 <a:ea typeface="배달의민족 주아" pitchFamily="18" charset="-127"/>
               </a:rPr>
-              <a:t>	 	h1 { color : red; font-size:20px}</a:t>
+              <a:t>	 	h1 </a:t>
+            </a:r>
+            <a:r>
+              <a:rPr lang="en-US" altLang="ko-KR" sz="3600" dirty="0" smtClean="0">
+                <a:latin typeface="배달의민족 주아" pitchFamily="18" charset="-127"/>
+                <a:ea typeface="배달의민족 주아" pitchFamily="18" charset="-127"/>
+              </a:rPr>
+              <a:t>{</a:t>
             </a:r>
           </a:p>
           <a:p>
@@ -4613,7 +4649,14 @@
                 <a:latin typeface="배달의민족 주아" pitchFamily="18" charset="-127"/>
                 <a:ea typeface="배달의민족 주아" pitchFamily="18" charset="-127"/>
               </a:rPr>
-              <a:t>	p { background-color: blue}</a:t>
+              <a:t>		</a:t>
+            </a:r>
+            <a:r>
+              <a:rPr lang="en-US" altLang="ko-KR" sz="3600" dirty="0" smtClean="0">
+                <a:latin typeface="배달의민족 주아" pitchFamily="18" charset="-127"/>
+                <a:ea typeface="배달의민족 주아" pitchFamily="18" charset="-127"/>
+              </a:rPr>
+              <a:t>font-size:20px;</a:t>
             </a:r>
           </a:p>
           <a:p>
@@ -4627,6 +4670,88 @@
             </a:r>
             <a:r>
               <a:rPr lang="en-US" altLang="ko-KR" sz="3600" dirty="0" smtClean="0">
+                <a:latin typeface="배달의민족 주아" pitchFamily="18" charset="-127"/>
+                <a:ea typeface="배달의민족 주아" pitchFamily="18" charset="-127"/>
+              </a:rPr>
+              <a:t>		font-weight:600;</a:t>
+            </a:r>
+          </a:p>
+          <a:p>
+            <a:pPr algn="l"/>
+            <a:r>
+              <a:rPr lang="en-US" altLang="ko-KR" sz="3600" dirty="0" smtClean="0">
+                <a:latin typeface="배달의민족 주아" pitchFamily="18" charset="-127"/>
+                <a:ea typeface="배달의민족 주아" pitchFamily="18" charset="-127"/>
+              </a:rPr>
+              <a:t>			font-family: “</a:t>
+            </a:r>
+            <a:r>
+              <a:rPr lang="ko-KR" altLang="en-US" sz="3600" dirty="0" smtClean="0">
+                <a:latin typeface="배달의민족 주아" pitchFamily="18" charset="-127"/>
+                <a:ea typeface="배달의민족 주아" pitchFamily="18" charset="-127"/>
+              </a:rPr>
+              <a:t>궁서체</a:t>
+            </a:r>
+            <a:r>
+              <a:rPr lang="en-US" altLang="ko-KR" sz="3600" dirty="0" smtClean="0">
+                <a:latin typeface="배달의민족 주아" pitchFamily="18" charset="-127"/>
+                <a:ea typeface="배달의민족 주아" pitchFamily="18" charset="-127"/>
+              </a:rPr>
+              <a:t>”;</a:t>
+            </a:r>
+          </a:p>
+          <a:p>
+            <a:pPr algn="l"/>
+            <a:r>
+              <a:rPr lang="en-US" altLang="ko-KR" sz="3600" dirty="0">
+                <a:latin typeface="배달의민족 주아" pitchFamily="18" charset="-127"/>
+                <a:ea typeface="배달의민족 주아" pitchFamily="18" charset="-127"/>
+              </a:rPr>
+              <a:t>	</a:t>
+            </a:r>
+            <a:r>
+              <a:rPr lang="en-US" altLang="ko-KR" sz="3600" dirty="0" smtClean="0">
+                <a:latin typeface="배달의민족 주아" pitchFamily="18" charset="-127"/>
+                <a:ea typeface="배달의민족 주아" pitchFamily="18" charset="-127"/>
+              </a:rPr>
+              <a:t>		font-style: italic;</a:t>
+            </a:r>
+          </a:p>
+          <a:p>
+            <a:pPr algn="l"/>
+            <a:r>
+              <a:rPr lang="en-US" altLang="ko-KR" sz="3600" dirty="0">
+                <a:latin typeface="배달의민족 주아" pitchFamily="18" charset="-127"/>
+                <a:ea typeface="배달의민족 주아" pitchFamily="18" charset="-127"/>
+              </a:rPr>
+              <a:t>	</a:t>
+            </a:r>
+            <a:r>
+              <a:rPr lang="en-US" altLang="ko-KR" sz="3600" dirty="0" smtClean="0">
+                <a:latin typeface="배달의민족 주아" pitchFamily="18" charset="-127"/>
+                <a:ea typeface="배달의민족 주아" pitchFamily="18" charset="-127"/>
+              </a:rPr>
+              <a:t>	</a:t>
+            </a:r>
+            <a:r>
+              <a:rPr lang="en-US" altLang="ko-KR" sz="3600" dirty="0" smtClean="0">
+                <a:latin typeface="배달의민족 주아" pitchFamily="18" charset="-127"/>
+                <a:ea typeface="배달의민족 주아" pitchFamily="18" charset="-127"/>
+              </a:rPr>
+              <a:t>}</a:t>
+            </a:r>
+          </a:p>
+          <a:p>
+            <a:pPr algn="l"/>
+            <a:r>
+              <a:rPr lang="en-US" altLang="ko-KR" sz="3600" dirty="0" smtClean="0">
+                <a:latin typeface="배달의민족 주아" pitchFamily="18" charset="-127"/>
+                <a:ea typeface="배달의민족 주아" pitchFamily="18" charset="-127"/>
+              </a:rPr>
+              <a:t>	</a:t>
+            </a:r>
+            <a:r>
+              <a:rPr lang="en-US" altLang="ko-KR" sz="3600" dirty="0" smtClean="0">
                 <a:solidFill>
                   <a:schemeClr val="accent5"/>
                 </a:solidFill>
@@ -4635,13 +4760,6 @@
               </a:rPr>
               <a:t>&lt;/style&gt;</a:t>
             </a:r>
-            <a:endParaRPr lang="en-US" altLang="ko-KR" sz="3600" dirty="0">
-              <a:solidFill>
-                <a:schemeClr val="accent5"/>
-              </a:solidFill>
-              <a:latin typeface="배달의민족 주아" pitchFamily="18" charset="-127"/>
-              <a:ea typeface="배달의민족 주아" pitchFamily="18" charset="-127"/>
-            </a:endParaRPr>
           </a:p>
           <a:p>
             <a:pPr algn="l"/>
@@ -4650,7 +4768,14 @@
                 <a:latin typeface="배달의민족 주아" pitchFamily="18" charset="-127"/>
                 <a:ea typeface="배달의민족 주아" pitchFamily="18" charset="-127"/>
               </a:rPr>
-              <a:t>&lt;/head&gt;</a:t>
+              <a:t>&lt;/</a:t>
+            </a:r>
+            <a:r>
+              <a:rPr lang="en-US" altLang="ko-KR" sz="3600" dirty="0" smtClean="0">
+                <a:latin typeface="배달의민족 주아" pitchFamily="18" charset="-127"/>
+                <a:ea typeface="배달의민족 주아" pitchFamily="18" charset="-127"/>
+              </a:rPr>
+              <a:t>head&gt;</a:t>
             </a:r>
           </a:p>
         </p:txBody>
@@ -5434,13 +5559,15 @@
         <p:spPr>
           <a:xfrm>
             <a:off x="216496" y="404664"/>
-            <a:ext cx="8535709" cy="2448272"/>
+            <a:ext cx="8535709" cy="1728192"/>
           </a:xfrm>
           <a:prstGeom prst="rect">
             <a:avLst/>
           </a:prstGeom>
           <a:ln>
-            <a:noFill/>
+            <a:solidFill>
+              <a:schemeClr val="accent6"/>
+            </a:solidFill>
           </a:ln>
         </p:spPr>
         <p:style>
@@ -5753,7 +5880,9 @@
             <a:avLst/>
           </a:prstGeom>
           <a:ln>
-            <a:noFill/>
+            <a:solidFill>
+              <a:schemeClr val="accent6"/>
+            </a:solidFill>
           </a:ln>
         </p:spPr>
         <p:style>
@@ -5772,7 +5901,7 @@
         </p:style>
         <p:txBody>
           <a:bodyPr vert="horz" lIns="91440" tIns="45720" rIns="91440" bIns="45720" rtlCol="0" anchor="ctr">
-            <a:normAutofit/>
+            <a:normAutofit fontScale="92500" lnSpcReduction="20000"/>
           </a:bodyPr>
           <a:lstStyle>
             <a:lvl1pPr algn="ctr" defTabSz="914400" rtl="0" eaLnBrk="1" latinLnBrk="1" hangingPunct="1">
@@ -5807,32 +5936,106 @@
                 <a:latin typeface="배달의민족 주아" pitchFamily="18" charset="-127"/>
                 <a:ea typeface="배달의민족 주아" pitchFamily="18" charset="-127"/>
               </a:rPr>
-              <a:t>h1 </a:t>
+              <a:t>p </a:t>
             </a:r>
             <a:r>
               <a:rPr lang="en-US" altLang="ko-KR" sz="3200" dirty="0">
                 <a:latin typeface="배달의민족 주아" pitchFamily="18" charset="-127"/>
                 <a:ea typeface="배달의민족 주아" pitchFamily="18" charset="-127"/>
               </a:rPr>
-              <a:t>{ color : red; font-size:20px}</a:t>
-            </a:r>
+              <a:t>{ </a:t>
+            </a:r>
+            <a:endParaRPr lang="en-US" altLang="ko-KR" sz="3200" dirty="0" smtClean="0">
+              <a:latin typeface="배달의민족 주아" pitchFamily="18" charset="-127"/>
+              <a:ea typeface="배달의민족 주아" pitchFamily="18" charset="-127"/>
+            </a:endParaRPr>
           </a:p>
           <a:p>
             <a:pPr algn="l"/>
             <a:r>
+              <a:rPr lang="en-US" altLang="ko-KR" sz="3200" dirty="0">
+                <a:latin typeface="배달의민족 주아" pitchFamily="18" charset="-127"/>
+                <a:ea typeface="배달의민족 주아" pitchFamily="18" charset="-127"/>
+              </a:rPr>
+              <a:t>	</a:t>
+            </a:r>
+            <a:r>
               <a:rPr lang="en-US" altLang="ko-KR" sz="3200" dirty="0" smtClean="0">
                 <a:latin typeface="배달의민족 주아" pitchFamily="18" charset="-127"/>
                 <a:ea typeface="배달의민족 주아" pitchFamily="18" charset="-127"/>
               </a:rPr>
-              <a:t>p </a:t>
-            </a:r>
+              <a:t>color : white;</a:t>
+            </a:r>
+            <a:endParaRPr lang="en-US" altLang="ko-KR" sz="3200" dirty="0" smtClean="0">
+              <a:latin typeface="배달의민족 주아" pitchFamily="18" charset="-127"/>
+              <a:ea typeface="배달의민족 주아" pitchFamily="18" charset="-127"/>
+            </a:endParaRPr>
+          </a:p>
+          <a:p>
+            <a:pPr algn="l"/>
             <a:r>
               <a:rPr lang="en-US" altLang="ko-KR" sz="3200" dirty="0">
                 <a:latin typeface="배달의민족 주아" pitchFamily="18" charset="-127"/>
                 <a:ea typeface="배달의민족 주아" pitchFamily="18" charset="-127"/>
               </a:rPr>
-              <a:t>{ background-color: blue}</a:t>
-            </a:r>
+              <a:t>	</a:t>
+            </a:r>
+            <a:r>
+              <a:rPr lang="en-US" altLang="ko-KR" sz="3200" dirty="0" smtClean="0">
+                <a:latin typeface="배달의민족 주아" pitchFamily="18" charset="-127"/>
+                <a:ea typeface="배달의민족 주아" pitchFamily="18" charset="-127"/>
+              </a:rPr>
+              <a:t>background-color</a:t>
+            </a:r>
+            <a:r>
+              <a:rPr lang="en-US" altLang="ko-KR" sz="3200" dirty="0">
+                <a:latin typeface="배달의민족 주아" pitchFamily="18" charset="-127"/>
+                <a:ea typeface="배달의민족 주아" pitchFamily="18" charset="-127"/>
+              </a:rPr>
+              <a:t>: </a:t>
+            </a:r>
+            <a:r>
+              <a:rPr lang="en-US" altLang="ko-KR" sz="3200" dirty="0" smtClean="0">
+                <a:latin typeface="배달의민족 주아" pitchFamily="18" charset="-127"/>
+                <a:ea typeface="배달의민족 주아" pitchFamily="18" charset="-127"/>
+              </a:rPr>
+              <a:t>blue;</a:t>
+            </a:r>
+          </a:p>
+          <a:p>
+            <a:pPr algn="l"/>
+            <a:r>
+              <a:rPr lang="en-US" altLang="ko-KR" sz="3200" dirty="0">
+                <a:latin typeface="배달의민족 주아" pitchFamily="18" charset="-127"/>
+                <a:ea typeface="배달의민족 주아" pitchFamily="18" charset="-127"/>
+              </a:rPr>
+              <a:t>	</a:t>
+            </a:r>
+            <a:r>
+              <a:rPr lang="en-US" altLang="ko-KR" sz="3200" dirty="0" smtClean="0">
+                <a:latin typeface="배달의민족 주아" pitchFamily="18" charset="-127"/>
+                <a:ea typeface="배달의민족 주아" pitchFamily="18" charset="-127"/>
+              </a:rPr>
+              <a:t>text-decoration: underline;</a:t>
+            </a:r>
+            <a:endParaRPr lang="en-US" altLang="ko-KR" sz="3200" dirty="0" smtClean="0">
+              <a:latin typeface="배달의민족 주아" pitchFamily="18" charset="-127"/>
+              <a:ea typeface="배달의민족 주아" pitchFamily="18" charset="-127"/>
+            </a:endParaRPr>
+          </a:p>
+          <a:p>
+            <a:pPr algn="l"/>
+            <a:r>
+              <a:rPr lang="en-US" altLang="ko-KR" sz="3200" dirty="0" smtClean="0">
+                <a:latin typeface="배달의민족 주아" pitchFamily="18" charset="-127"/>
+                <a:ea typeface="배달의민족 주아" pitchFamily="18" charset="-127"/>
+              </a:rPr>
+              <a:t>}</a:t>
+            </a:r>
+            <a:endParaRPr lang="en-US" altLang="ko-KR" sz="3200" dirty="0">
+              <a:latin typeface="배달의민족 주아" pitchFamily="18" charset="-127"/>
+              <a:ea typeface="배달의민족 주아" pitchFamily="18" charset="-127"/>
+            </a:endParaRPr>
           </a:p>
         </p:txBody>
       </p:sp>
@@ -6708,7 +6911,7 @@
         </p:blipFill>
         <p:spPr bwMode="auto">
           <a:xfrm>
-            <a:off x="3707904" y="1477961"/>
+            <a:off x="3756184" y="1471141"/>
             <a:ext cx="3984168" cy="3902075"/>
           </a:xfrm>
           <a:prstGeom prst="rect">
@@ -6902,7 +7105,7 @@
         </p:nvSpPr>
         <p:spPr>
           <a:xfrm>
-            <a:off x="683568" y="1916832"/>
+            <a:off x="683568" y="2391023"/>
             <a:ext cx="7772400" cy="1470025"/>
           </a:xfrm>
           <a:prstGeom prst="rect">
@@ -7737,7 +7940,12 @@
             <p:ph type="ctrTitle"/>
           </p:nvPr>
         </p:nvSpPr>
-        <p:spPr/>
+        <p:spPr>
+          <a:xfrm>
+            <a:off x="685800" y="2247007"/>
+            <a:ext cx="7772400" cy="1470025"/>
+          </a:xfrm>
+        </p:spPr>
         <p:txBody>
           <a:bodyPr/>
           <a:lstStyle/>
@@ -8972,7 +9180,7 @@
         </p:nvSpPr>
         <p:spPr>
           <a:xfrm>
-            <a:off x="688032" y="2186280"/>
+            <a:off x="688032" y="2463031"/>
             <a:ext cx="7772400" cy="1470025"/>
           </a:xfrm>
           <a:prstGeom prst="rect">
@@ -9178,7 +9386,7 @@
         </p:nvCxnSpPr>
         <p:spPr>
           <a:xfrm>
-            <a:off x="4132689" y="2267580"/>
+            <a:off x="4132689" y="2544331"/>
             <a:ext cx="0" cy="360040"/>
           </a:xfrm>
           <a:prstGeom prst="straightConnector1">
@@ -9211,7 +9419,7 @@
         </p:nvSpPr>
         <p:spPr>
           <a:xfrm>
-            <a:off x="3700641" y="1898248"/>
+            <a:off x="3700641" y="2174999"/>
             <a:ext cx="877163" cy="369332"/>
           </a:xfrm>
           <a:prstGeom prst="rect">
@@ -9635,7 +9843,7 @@
         </p:nvSpPr>
         <p:spPr>
           <a:xfrm>
-            <a:off x="683568" y="1916832"/>
+            <a:off x="683568" y="1196752"/>
             <a:ext cx="7772400" cy="1470025"/>
           </a:xfrm>
           <a:prstGeom prst="rect">
@@ -9874,8 +10082,8 @@
         </p:blipFill>
         <p:spPr bwMode="auto">
           <a:xfrm>
-            <a:off x="1443038" y="1352550"/>
-            <a:ext cx="6257925" cy="4152900"/>
+            <a:off x="2128349" y="2317522"/>
+            <a:ext cx="4882837" cy="3240360"/>
           </a:xfrm>
           <a:prstGeom prst="rect">
             <a:avLst/>
